--- a/2018/2018.04.23-Listas.pptx
+++ b/2018/2018.04.23-Listas.pptx
@@ -20,6 +20,7 @@
     <p:sldId id="268" r:id="rId14"/>
     <p:sldId id="270" r:id="rId15"/>
     <p:sldId id="271" r:id="rId16"/>
+    <p:sldId id="273" r:id="rId17"/>
   </p:sldIdLst>
   <p:sldSz cx="12192000" cy="6858000"/>
   <p:notesSz cx="6858000" cy="9144000"/>
@@ -372,7 +373,7 @@
             <a:fld id="{48A87A34-81AB-432B-8DAE-1953F412C126}" type="datetimeFigureOut">
               <a:rPr lang="en-US" smtClean="0"/>
               <a:pPr/>
-              <a:t>4/24/2018</a:t>
+              <a:t>5/8/2018</a:t>
             </a:fld>
             <a:endParaRPr lang="en-US" dirty="0"/>
           </a:p>
@@ -550,7 +551,7 @@
             <a:fld id="{48A87A34-81AB-432B-8DAE-1953F412C126}" type="datetimeFigureOut">
               <a:rPr lang="en-US" smtClean="0"/>
               <a:pPr/>
-              <a:t>4/24/2018</a:t>
+              <a:t>5/8/2018</a:t>
             </a:fld>
             <a:endParaRPr lang="en-US" dirty="0"/>
           </a:p>
@@ -676,7 +677,7 @@
             <a:fld id="{48A87A34-81AB-432B-8DAE-1953F412C126}" type="datetimeFigureOut">
               <a:rPr lang="en-US" smtClean="0"/>
               <a:pPr/>
-              <a:t>4/24/2018</a:t>
+              <a:t>5/8/2018</a:t>
             </a:fld>
             <a:endParaRPr lang="en-US" dirty="0"/>
           </a:p>
@@ -768,7 +769,7 @@
             <a:fld id="{48A87A34-81AB-432B-8DAE-1953F412C126}" type="datetimeFigureOut">
               <a:rPr lang="en-US" smtClean="0"/>
               <a:pPr/>
-              <a:t>4/24/2018</a:t>
+              <a:t>5/8/2018</a:t>
             </a:fld>
             <a:endParaRPr lang="en-US" dirty="0"/>
           </a:p>
@@ -1008,7 +1009,7 @@
             <a:fld id="{48A87A34-81AB-432B-8DAE-1953F412C126}" type="datetimeFigureOut">
               <a:rPr lang="en-US" smtClean="0"/>
               <a:pPr/>
-              <a:t>4/24/2018</a:t>
+              <a:t>5/8/2018</a:t>
             </a:fld>
             <a:endParaRPr lang="en-US" dirty="0"/>
           </a:p>
@@ -1186,7 +1187,7 @@
             <a:fld id="{48A87A34-81AB-432B-8DAE-1953F412C126}" type="datetimeFigureOut">
               <a:rPr lang="en-US" smtClean="0"/>
               <a:pPr/>
-              <a:t>4/24/2018</a:t>
+              <a:t>5/8/2018</a:t>
             </a:fld>
             <a:endParaRPr lang="en-US" dirty="0"/>
           </a:p>
@@ -1426,7 +1427,7 @@
             <a:fld id="{48A87A34-81AB-432B-8DAE-1953F412C126}" type="datetimeFigureOut">
               <a:rPr lang="en-US" smtClean="0"/>
               <a:pPr/>
-              <a:t>4/24/2018</a:t>
+              <a:t>5/8/2018</a:t>
             </a:fld>
             <a:endParaRPr lang="en-US" dirty="0"/>
           </a:p>
@@ -1697,7 +1698,7 @@
             <a:fld id="{48A87A34-81AB-432B-8DAE-1953F412C126}" type="datetimeFigureOut">
               <a:rPr lang="en-US" smtClean="0"/>
               <a:pPr/>
-              <a:t>4/24/2018</a:t>
+              <a:t>5/8/2018</a:t>
             </a:fld>
             <a:endParaRPr lang="en-US" dirty="0"/>
           </a:p>
@@ -2553,6 +2554,123 @@
     <p:extLst>
       <p:ext uri="{BB962C8B-B14F-4D97-AF65-F5344CB8AC3E}">
         <p14:creationId xmlns:p14="http://schemas.microsoft.com/office/powerpoint/2010/main" val="2309036178"/>
+      </p:ext>
+    </p:extLst>
+  </p:cSld>
+  <p:clrMapOvr>
+    <a:masterClrMapping/>
+  </p:clrMapOvr>
+  <p:timing>
+    <p:tnLst>
+      <p:par>
+        <p:cTn id="1" dur="indefinite" restart="never" nodeType="tmRoot"/>
+      </p:par>
+    </p:tnLst>
+  </p:timing>
+</p:sld>
+</file>
+
+<file path=ppt/slides/slide16.xml><?xml version="1.0" encoding="utf-8"?>
+<p:sld xmlns:a="http://schemas.openxmlformats.org/drawingml/2006/main" xmlns:r="http://schemas.openxmlformats.org/officeDocument/2006/relationships" xmlns:p="http://schemas.openxmlformats.org/presentationml/2006/main">
+  <p:cSld>
+    <p:spTree>
+      <p:nvGrpSpPr>
+        <p:cNvPr id="1" name=""/>
+        <p:cNvGrpSpPr/>
+        <p:nvPr/>
+      </p:nvGrpSpPr>
+      <p:grpSpPr>
+        <a:xfrm>
+          <a:off x="0" y="0"/>
+          <a:ext cx="0" cy="0"/>
+          <a:chOff x="0" y="0"/>
+          <a:chExt cx="0" cy="0"/>
+        </a:xfrm>
+      </p:grpSpPr>
+      <p:sp>
+        <p:nvSpPr>
+          <p:cNvPr id="2" name="Espaço Reservado para Conteúdo 1"/>
+          <p:cNvSpPr>
+            <a:spLocks noGrp="1"/>
+          </p:cNvSpPr>
+          <p:nvPr>
+            <p:ph idx="1"/>
+          </p:nvPr>
+        </p:nvSpPr>
+        <p:spPr/>
+        <p:txBody>
+          <a:bodyPr/>
+          <a:lstStyle/>
+          <a:p>
+            <a:r>
+              <a:rPr lang="pt-BR" dirty="0" smtClean="0"/>
+              <a:t>Lista de contatos (Nome, telefone e </a:t>
+            </a:r>
+            <a:r>
+              <a:rPr lang="pt-BR" dirty="0" err="1" smtClean="0"/>
+              <a:t>e-email</a:t>
+            </a:r>
+            <a:r>
+              <a:rPr lang="pt-BR" dirty="0" smtClean="0"/>
+              <a:t>)</a:t>
+            </a:r>
+          </a:p>
+          <a:p>
+            <a:r>
+              <a:rPr lang="pt-BR" dirty="0" smtClean="0"/>
+              <a:t>Ordem alfabética de nomes.</a:t>
+            </a:r>
+          </a:p>
+          <a:p>
+            <a:r>
+              <a:rPr lang="pt-BR" dirty="0" smtClean="0"/>
+              <a:t>Função de inserir, imprimir a lista, remover contato especifico, pesquisar contato e </a:t>
+            </a:r>
+            <a:r>
+              <a:rPr lang="pt-BR" smtClean="0"/>
+              <a:t>editar contato.</a:t>
+            </a:r>
+            <a:endParaRPr lang="pt-BR" dirty="0" smtClean="0"/>
+          </a:p>
+          <a:p>
+            <a:endParaRPr lang="pt-BR" dirty="0"/>
+          </a:p>
+          <a:p>
+            <a:r>
+              <a:rPr lang="pt-BR" dirty="0" smtClean="0"/>
+              <a:t>Entrega 30/05/2018,por e-mail;</a:t>
+            </a:r>
+            <a:endParaRPr lang="pt-BR" dirty="0"/>
+          </a:p>
+        </p:txBody>
+      </p:sp>
+      <p:sp>
+        <p:nvSpPr>
+          <p:cNvPr id="3" name="Título 2"/>
+          <p:cNvSpPr>
+            <a:spLocks noGrp="1"/>
+          </p:cNvSpPr>
+          <p:nvPr>
+            <p:ph type="title"/>
+          </p:nvPr>
+        </p:nvSpPr>
+        <p:spPr/>
+        <p:txBody>
+          <a:bodyPr/>
+          <a:lstStyle/>
+          <a:p>
+            <a:r>
+              <a:rPr lang="pt-BR" dirty="0" smtClean="0"/>
+              <a:t>Trabalho</a:t>
+            </a:r>
+            <a:endParaRPr lang="pt-BR" dirty="0"/>
+          </a:p>
+        </p:txBody>
+      </p:sp>
+    </p:spTree>
+    <p:extLst>
+      <p:ext uri="{BB962C8B-B14F-4D97-AF65-F5344CB8AC3E}">
+        <p14:creationId xmlns:p14="http://schemas.microsoft.com/office/powerpoint/2010/main" val="2983915875"/>
       </p:ext>
     </p:extLst>
   </p:cSld>
